--- a/output/2025-10-12_Forgiveness_ServiceSlides.pptx
+++ b/output/2025-10-12_Forgiveness_ServiceSlides.pptx
@@ -3095,14 +3095,6 @@
 <file path=ppt/slides/slide1.xml><?xml version="1.0" encoding="utf-8"?>
 <p:sld xmlns:a="http://schemas.openxmlformats.org/drawingml/2006/main" xmlns:p="http://schemas.openxmlformats.org/presentationml/2006/main" xmlns:r="http://schemas.openxmlformats.org/officeDocument/2006/relationships">
   <p:cSld>
-    <p:bg>
-      <p:bgPr>
-        <a:solidFill>
-          <a:srgbClr val="002060"/>
-        </a:solidFill>
-        <a:effectLst/>
-      </p:bgPr>
-    </p:bg>
     <p:spTree>
       <p:nvGrpSpPr>
         <p:cNvPr id="1" name=""/>
@@ -3110,16 +3102,83 @@
         <p:nvPr/>
       </p:nvGrpSpPr>
       <p:grpSpPr/>
-      <p:sp>
-        <p:nvSpPr>
-          <p:cNvPr id="2" name="TextBox 1"/>
+      <p:pic>
+        <p:nvPicPr>
+          <p:cNvPr id="2" name="Picture 1" descr="countdown.jpg"/>
+          <p:cNvPicPr>
+            <a:picLocks noChangeAspect="1"/>
+          </p:cNvPicPr>
+          <p:nvPr/>
+        </p:nvPicPr>
+        <p:blipFill>
+          <a:blip r:embed="rId2"/>
+          <a:stretch>
+            <a:fillRect/>
+          </a:stretch>
+        </p:blipFill>
+        <p:spPr>
+          <a:xfrm>
+            <a:off x="0" y="0"/>
+            <a:ext cx="9144000" cy="6858000"/>
+          </a:xfrm>
+          <a:prstGeom prst="rect">
+            <a:avLst/>
+          </a:prstGeom>
+        </p:spPr>
+      </p:pic>
+      <p:sp>
+        <p:nvSpPr>
+          <p:cNvPr id="3" name="Rounded Rectangle 2"/>
+          <p:cNvSpPr/>
+          <p:nvPr/>
+        </p:nvSpPr>
+        <p:spPr>
+          <a:xfrm>
+            <a:off x="457200" y="1143000"/>
+            <a:ext cx="8229600" cy="4572000"/>
+          </a:xfrm>
+          <a:prstGeom prst="roundRect">
+            <a:avLst/>
+          </a:prstGeom>
+          <a:solidFill>
+            <a:srgbClr val="000000"/>
+          </a:solidFill>
+          <a:ln>
+            <a:noFill/>
+          </a:ln>
+        </p:spPr>
+        <p:style>
+          <a:lnRef idx="1">
+            <a:schemeClr val="accent1"/>
+          </a:lnRef>
+          <a:fillRef idx="3">
+            <a:schemeClr val="accent1"/>
+          </a:fillRef>
+          <a:effectRef idx="2">
+            <a:schemeClr val="accent1"/>
+          </a:effectRef>
+          <a:fontRef idx="minor">
+            <a:schemeClr val="lt1"/>
+          </a:fontRef>
+        </p:style>
+        <p:txBody>
+          <a:bodyPr rtlCol="0" anchor="ctr"/>
+          <a:lstStyle/>
+          <a:p>
+            <a:pPr algn="ctr"/>
+          </a:p>
+        </p:txBody>
+      </p:sp>
+      <p:sp>
+        <p:nvSpPr>
+          <p:cNvPr id="4" name="TextBox 3"/>
           <p:cNvSpPr txBox="1"/>
           <p:nvPr/>
         </p:nvSpPr>
         <p:spPr>
           <a:xfrm>
-            <a:off x="457200" y="914400"/>
-            <a:ext cx="8229600" cy="4572000"/>
+            <a:off x="731520" y="1417320"/>
+            <a:ext cx="7680960" cy="4023360"/>
           </a:xfrm>
           <a:prstGeom prst="rect">
             <a:avLst/>
@@ -3127,14 +3186,14 @@
           <a:noFill/>
         </p:spPr>
         <p:txBody>
-          <a:bodyPr wrap="square">
+          <a:bodyPr wrap="square" anchor="ctr">
             <a:spAutoFit/>
           </a:bodyPr>
           <a:lstStyle/>
           <a:p/>
           <a:p>
             <a:pPr algn="ctr">
-              <a:defRPr b="1" sz="4000">
+              <a:defRPr b="1" sz="3600">
                 <a:solidFill>
                   <a:srgbClr val="FFFFFF"/>
                 </a:solidFill>
@@ -3157,14 +3216,6 @@
 <file path=ppt/slides/slide10.xml><?xml version="1.0" encoding="utf-8"?>
 <p:sld xmlns:a="http://schemas.openxmlformats.org/drawingml/2006/main" xmlns:p="http://schemas.openxmlformats.org/presentationml/2006/main" xmlns:r="http://schemas.openxmlformats.org/officeDocument/2006/relationships">
   <p:cSld>
-    <p:bg>
-      <p:bgPr>
-        <a:solidFill>
-          <a:srgbClr val="002060"/>
-        </a:solidFill>
-        <a:effectLst/>
-      </p:bgPr>
-    </p:bg>
     <p:spTree>
       <p:nvGrpSpPr>
         <p:cNvPr id="1" name=""/>
@@ -3172,16 +3223,83 @@
         <p:nvPr/>
       </p:nvGrpSpPr>
       <p:grpSpPr/>
-      <p:sp>
-        <p:nvSpPr>
-          <p:cNvPr id="2" name="TextBox 1"/>
+      <p:pic>
+        <p:nvPicPr>
+          <p:cNvPr id="2" name="Picture 1" descr="communion.jpg"/>
+          <p:cNvPicPr>
+            <a:picLocks noChangeAspect="1"/>
+          </p:cNvPicPr>
+          <p:nvPr/>
+        </p:nvPicPr>
+        <p:blipFill>
+          <a:blip r:embed="rId2"/>
+          <a:stretch>
+            <a:fillRect/>
+          </a:stretch>
+        </p:blipFill>
+        <p:spPr>
+          <a:xfrm>
+            <a:off x="0" y="0"/>
+            <a:ext cx="9144000" cy="6858000"/>
+          </a:xfrm>
+          <a:prstGeom prst="rect">
+            <a:avLst/>
+          </a:prstGeom>
+        </p:spPr>
+      </p:pic>
+      <p:sp>
+        <p:nvSpPr>
+          <p:cNvPr id="3" name="Rounded Rectangle 2"/>
+          <p:cNvSpPr/>
+          <p:nvPr/>
+        </p:nvSpPr>
+        <p:spPr>
+          <a:xfrm>
+            <a:off x="457200" y="1143000"/>
+            <a:ext cx="8229600" cy="4572000"/>
+          </a:xfrm>
+          <a:prstGeom prst="roundRect">
+            <a:avLst/>
+          </a:prstGeom>
+          <a:solidFill>
+            <a:srgbClr val="000000"/>
+          </a:solidFill>
+          <a:ln>
+            <a:noFill/>
+          </a:ln>
+        </p:spPr>
+        <p:style>
+          <a:lnRef idx="1">
+            <a:schemeClr val="accent1"/>
+          </a:lnRef>
+          <a:fillRef idx="3">
+            <a:schemeClr val="accent1"/>
+          </a:fillRef>
+          <a:effectRef idx="2">
+            <a:schemeClr val="accent1"/>
+          </a:effectRef>
+          <a:fontRef idx="minor">
+            <a:schemeClr val="lt1"/>
+          </a:fontRef>
+        </p:style>
+        <p:txBody>
+          <a:bodyPr rtlCol="0" anchor="ctr"/>
+          <a:lstStyle/>
+          <a:p>
+            <a:pPr algn="ctr"/>
+          </a:p>
+        </p:txBody>
+      </p:sp>
+      <p:sp>
+        <p:nvSpPr>
+          <p:cNvPr id="4" name="TextBox 3"/>
           <p:cNvSpPr txBox="1"/>
           <p:nvPr/>
         </p:nvSpPr>
         <p:spPr>
           <a:xfrm>
-            <a:off x="457200" y="914400"/>
-            <a:ext cx="8229600" cy="4572000"/>
+            <a:off x="731520" y="1417320"/>
+            <a:ext cx="7680960" cy="4023360"/>
           </a:xfrm>
           <a:prstGeom prst="rect">
             <a:avLst/>
@@ -3189,14 +3307,14 @@
           <a:noFill/>
         </p:spPr>
         <p:txBody>
-          <a:bodyPr wrap="square">
+          <a:bodyPr wrap="square" anchor="ctr">
             <a:spAutoFit/>
           </a:bodyPr>
           <a:lstStyle/>
           <a:p/>
           <a:p>
             <a:pPr algn="ctr">
-              <a:defRPr b="1" sz="4000">
+              <a:defRPr b="1" sz="3600">
                 <a:solidFill>
                   <a:srgbClr val="FFFFFF"/>
                 </a:solidFill>
@@ -3219,14 +3337,6 @@
 <file path=ppt/slides/slide11.xml><?xml version="1.0" encoding="utf-8"?>
 <p:sld xmlns:a="http://schemas.openxmlformats.org/drawingml/2006/main" xmlns:p="http://schemas.openxmlformats.org/presentationml/2006/main" xmlns:r="http://schemas.openxmlformats.org/officeDocument/2006/relationships">
   <p:cSld>
-    <p:bg>
-      <p:bgPr>
-        <a:solidFill>
-          <a:srgbClr val="002060"/>
-        </a:solidFill>
-        <a:effectLst/>
-      </p:bgPr>
-    </p:bg>
     <p:spTree>
       <p:nvGrpSpPr>
         <p:cNvPr id="1" name=""/>
@@ -3234,16 +3344,83 @@
         <p:nvPr/>
       </p:nvGrpSpPr>
       <p:grpSpPr/>
-      <p:sp>
-        <p:nvSpPr>
-          <p:cNvPr id="2" name="TextBox 1"/>
+      <p:pic>
+        <p:nvPicPr>
+          <p:cNvPr id="2" name="Picture 1" descr="prayer.jpg"/>
+          <p:cNvPicPr>
+            <a:picLocks noChangeAspect="1"/>
+          </p:cNvPicPr>
+          <p:nvPr/>
+        </p:nvPicPr>
+        <p:blipFill>
+          <a:blip r:embed="rId2"/>
+          <a:stretch>
+            <a:fillRect/>
+          </a:stretch>
+        </p:blipFill>
+        <p:spPr>
+          <a:xfrm>
+            <a:off x="0" y="0"/>
+            <a:ext cx="9144000" cy="6858000"/>
+          </a:xfrm>
+          <a:prstGeom prst="rect">
+            <a:avLst/>
+          </a:prstGeom>
+        </p:spPr>
+      </p:pic>
+      <p:sp>
+        <p:nvSpPr>
+          <p:cNvPr id="3" name="Rounded Rectangle 2"/>
+          <p:cNvSpPr/>
+          <p:nvPr/>
+        </p:nvSpPr>
+        <p:spPr>
+          <a:xfrm>
+            <a:off x="457200" y="1143000"/>
+            <a:ext cx="8229600" cy="4572000"/>
+          </a:xfrm>
+          <a:prstGeom prst="roundRect">
+            <a:avLst/>
+          </a:prstGeom>
+          <a:solidFill>
+            <a:srgbClr val="000000"/>
+          </a:solidFill>
+          <a:ln>
+            <a:noFill/>
+          </a:ln>
+        </p:spPr>
+        <p:style>
+          <a:lnRef idx="1">
+            <a:schemeClr val="accent1"/>
+          </a:lnRef>
+          <a:fillRef idx="3">
+            <a:schemeClr val="accent1"/>
+          </a:fillRef>
+          <a:effectRef idx="2">
+            <a:schemeClr val="accent1"/>
+          </a:effectRef>
+          <a:fontRef idx="minor">
+            <a:schemeClr val="lt1"/>
+          </a:fontRef>
+        </p:style>
+        <p:txBody>
+          <a:bodyPr rtlCol="0" anchor="ctr"/>
+          <a:lstStyle/>
+          <a:p>
+            <a:pPr algn="ctr"/>
+          </a:p>
+        </p:txBody>
+      </p:sp>
+      <p:sp>
+        <p:nvSpPr>
+          <p:cNvPr id="4" name="TextBox 3"/>
           <p:cNvSpPr txBox="1"/>
           <p:nvPr/>
         </p:nvSpPr>
         <p:spPr>
           <a:xfrm>
-            <a:off x="457200" y="914400"/>
-            <a:ext cx="8229600" cy="4572000"/>
+            <a:off x="731520" y="1417320"/>
+            <a:ext cx="7680960" cy="4023360"/>
           </a:xfrm>
           <a:prstGeom prst="rect">
             <a:avLst/>
@@ -3251,14 +3428,14 @@
           <a:noFill/>
         </p:spPr>
         <p:txBody>
-          <a:bodyPr wrap="square">
+          <a:bodyPr wrap="square" anchor="ctr">
             <a:spAutoFit/>
           </a:bodyPr>
           <a:lstStyle/>
           <a:p/>
           <a:p>
             <a:pPr algn="ctr">
-              <a:defRPr b="1" sz="4000">
+              <a:defRPr b="1" sz="3600">
                 <a:solidFill>
                   <a:srgbClr val="FFFFFF"/>
                 </a:solidFill>
@@ -3281,14 +3458,6 @@
 <file path=ppt/slides/slide12.xml><?xml version="1.0" encoding="utf-8"?>
 <p:sld xmlns:a="http://schemas.openxmlformats.org/drawingml/2006/main" xmlns:p="http://schemas.openxmlformats.org/presentationml/2006/main" xmlns:r="http://schemas.openxmlformats.org/officeDocument/2006/relationships">
   <p:cSld>
-    <p:bg>
-      <p:bgPr>
-        <a:solidFill>
-          <a:srgbClr val="002060"/>
-        </a:solidFill>
-        <a:effectLst/>
-      </p:bgPr>
-    </p:bg>
     <p:spTree>
       <p:nvGrpSpPr>
         <p:cNvPr id="1" name=""/>
@@ -3296,16 +3465,83 @@
         <p:nvPr/>
       </p:nvGrpSpPr>
       <p:grpSpPr/>
-      <p:sp>
-        <p:nvSpPr>
-          <p:cNvPr id="2" name="TextBox 1"/>
+      <p:pic>
+        <p:nvPicPr>
+          <p:cNvPr id="2" name="Picture 1" descr="prayer.jpg"/>
+          <p:cNvPicPr>
+            <a:picLocks noChangeAspect="1"/>
+          </p:cNvPicPr>
+          <p:nvPr/>
+        </p:nvPicPr>
+        <p:blipFill>
+          <a:blip r:embed="rId2"/>
+          <a:stretch>
+            <a:fillRect/>
+          </a:stretch>
+        </p:blipFill>
+        <p:spPr>
+          <a:xfrm>
+            <a:off x="0" y="0"/>
+            <a:ext cx="9144000" cy="6858000"/>
+          </a:xfrm>
+          <a:prstGeom prst="rect">
+            <a:avLst/>
+          </a:prstGeom>
+        </p:spPr>
+      </p:pic>
+      <p:sp>
+        <p:nvSpPr>
+          <p:cNvPr id="3" name="Rounded Rectangle 2"/>
+          <p:cNvSpPr/>
+          <p:nvPr/>
+        </p:nvSpPr>
+        <p:spPr>
+          <a:xfrm>
+            <a:off x="457200" y="1143000"/>
+            <a:ext cx="8229600" cy="4572000"/>
+          </a:xfrm>
+          <a:prstGeom prst="roundRect">
+            <a:avLst/>
+          </a:prstGeom>
+          <a:solidFill>
+            <a:srgbClr val="000000"/>
+          </a:solidFill>
+          <a:ln>
+            <a:noFill/>
+          </a:ln>
+        </p:spPr>
+        <p:style>
+          <a:lnRef idx="1">
+            <a:schemeClr val="accent1"/>
+          </a:lnRef>
+          <a:fillRef idx="3">
+            <a:schemeClr val="accent1"/>
+          </a:fillRef>
+          <a:effectRef idx="2">
+            <a:schemeClr val="accent1"/>
+          </a:effectRef>
+          <a:fontRef idx="minor">
+            <a:schemeClr val="lt1"/>
+          </a:fontRef>
+        </p:style>
+        <p:txBody>
+          <a:bodyPr rtlCol="0" anchor="ctr"/>
+          <a:lstStyle/>
+          <a:p>
+            <a:pPr algn="ctr"/>
+          </a:p>
+        </p:txBody>
+      </p:sp>
+      <p:sp>
+        <p:nvSpPr>
+          <p:cNvPr id="4" name="TextBox 3"/>
           <p:cNvSpPr txBox="1"/>
           <p:nvPr/>
         </p:nvSpPr>
         <p:spPr>
           <a:xfrm>
-            <a:off x="457200" y="914400"/>
-            <a:ext cx="8229600" cy="4572000"/>
+            <a:off x="731520" y="1417320"/>
+            <a:ext cx="7680960" cy="4023360"/>
           </a:xfrm>
           <a:prstGeom prst="rect">
             <a:avLst/>
@@ -3313,14 +3549,14 @@
           <a:noFill/>
         </p:spPr>
         <p:txBody>
-          <a:bodyPr wrap="square">
+          <a:bodyPr wrap="square" anchor="ctr">
             <a:spAutoFit/>
           </a:bodyPr>
           <a:lstStyle/>
           <a:p/>
           <a:p>
             <a:pPr algn="ctr">
-              <a:defRPr b="1" sz="4000">
+              <a:defRPr b="1" sz="3600">
                 <a:solidFill>
                   <a:srgbClr val="FFFFFF"/>
                 </a:solidFill>
@@ -3343,14 +3579,6 @@
 <file path=ppt/slides/slide13.xml><?xml version="1.0" encoding="utf-8"?>
 <p:sld xmlns:a="http://schemas.openxmlformats.org/drawingml/2006/main" xmlns:p="http://schemas.openxmlformats.org/presentationml/2006/main" xmlns:r="http://schemas.openxmlformats.org/officeDocument/2006/relationships">
   <p:cSld>
-    <p:bg>
-      <p:bgPr>
-        <a:solidFill>
-          <a:srgbClr val="002060"/>
-        </a:solidFill>
-        <a:effectLst/>
-      </p:bgPr>
-    </p:bg>
     <p:spTree>
       <p:nvGrpSpPr>
         <p:cNvPr id="1" name=""/>
@@ -3358,16 +3586,83 @@
         <p:nvPr/>
       </p:nvGrpSpPr>
       <p:grpSpPr/>
-      <p:sp>
-        <p:nvSpPr>
-          <p:cNvPr id="2" name="TextBox 1"/>
+      <p:pic>
+        <p:nvPicPr>
+          <p:cNvPr id="2" name="Picture 1" descr="offering.jpg"/>
+          <p:cNvPicPr>
+            <a:picLocks noChangeAspect="1"/>
+          </p:cNvPicPr>
+          <p:nvPr/>
+        </p:nvPicPr>
+        <p:blipFill>
+          <a:blip r:embed="rId2"/>
+          <a:stretch>
+            <a:fillRect/>
+          </a:stretch>
+        </p:blipFill>
+        <p:spPr>
+          <a:xfrm>
+            <a:off x="0" y="0"/>
+            <a:ext cx="9144000" cy="6858000"/>
+          </a:xfrm>
+          <a:prstGeom prst="rect">
+            <a:avLst/>
+          </a:prstGeom>
+        </p:spPr>
+      </p:pic>
+      <p:sp>
+        <p:nvSpPr>
+          <p:cNvPr id="3" name="Rounded Rectangle 2"/>
+          <p:cNvSpPr/>
+          <p:nvPr/>
+        </p:nvSpPr>
+        <p:spPr>
+          <a:xfrm>
+            <a:off x="457200" y="1143000"/>
+            <a:ext cx="8229600" cy="4572000"/>
+          </a:xfrm>
+          <a:prstGeom prst="roundRect">
+            <a:avLst/>
+          </a:prstGeom>
+          <a:solidFill>
+            <a:srgbClr val="000000"/>
+          </a:solidFill>
+          <a:ln>
+            <a:noFill/>
+          </a:ln>
+        </p:spPr>
+        <p:style>
+          <a:lnRef idx="1">
+            <a:schemeClr val="accent1"/>
+          </a:lnRef>
+          <a:fillRef idx="3">
+            <a:schemeClr val="accent1"/>
+          </a:fillRef>
+          <a:effectRef idx="2">
+            <a:schemeClr val="accent1"/>
+          </a:effectRef>
+          <a:fontRef idx="minor">
+            <a:schemeClr val="lt1"/>
+          </a:fontRef>
+        </p:style>
+        <p:txBody>
+          <a:bodyPr rtlCol="0" anchor="ctr"/>
+          <a:lstStyle/>
+          <a:p>
+            <a:pPr algn="ctr"/>
+          </a:p>
+        </p:txBody>
+      </p:sp>
+      <p:sp>
+        <p:nvSpPr>
+          <p:cNvPr id="4" name="TextBox 3"/>
           <p:cNvSpPr txBox="1"/>
           <p:nvPr/>
         </p:nvSpPr>
         <p:spPr>
           <a:xfrm>
-            <a:off x="457200" y="914400"/>
-            <a:ext cx="8229600" cy="4572000"/>
+            <a:off x="731520" y="1417320"/>
+            <a:ext cx="7680960" cy="4023360"/>
           </a:xfrm>
           <a:prstGeom prst="rect">
             <a:avLst/>
@@ -3375,14 +3670,14 @@
           <a:noFill/>
         </p:spPr>
         <p:txBody>
-          <a:bodyPr wrap="square">
+          <a:bodyPr wrap="square" anchor="ctr">
             <a:spAutoFit/>
           </a:bodyPr>
           <a:lstStyle/>
           <a:p/>
           <a:p>
             <a:pPr algn="ctr">
-              <a:defRPr b="1" sz="4000">
+              <a:defRPr b="1" sz="3600">
                 <a:solidFill>
                   <a:srgbClr val="FFFFFF"/>
                 </a:solidFill>
@@ -3405,14 +3700,6 @@
 <file path=ppt/slides/slide14.xml><?xml version="1.0" encoding="utf-8"?>
 <p:sld xmlns:a="http://schemas.openxmlformats.org/drawingml/2006/main" xmlns:p="http://schemas.openxmlformats.org/presentationml/2006/main" xmlns:r="http://schemas.openxmlformats.org/officeDocument/2006/relationships">
   <p:cSld>
-    <p:bg>
-      <p:bgPr>
-        <a:solidFill>
-          <a:srgbClr val="002060"/>
-        </a:solidFill>
-        <a:effectLst/>
-      </p:bgPr>
-    </p:bg>
     <p:spTree>
       <p:nvGrpSpPr>
         <p:cNvPr id="1" name=""/>
@@ -3420,16 +3707,83 @@
         <p:nvPr/>
       </p:nvGrpSpPr>
       <p:grpSpPr/>
-      <p:sp>
-        <p:nvSpPr>
-          <p:cNvPr id="2" name="TextBox 1"/>
+      <p:pic>
+        <p:nvPicPr>
+          <p:cNvPr id="2" name="Picture 1" descr="song.jpg"/>
+          <p:cNvPicPr>
+            <a:picLocks noChangeAspect="1"/>
+          </p:cNvPicPr>
+          <p:nvPr/>
+        </p:nvPicPr>
+        <p:blipFill>
+          <a:blip r:embed="rId2"/>
+          <a:stretch>
+            <a:fillRect/>
+          </a:stretch>
+        </p:blipFill>
+        <p:spPr>
+          <a:xfrm>
+            <a:off x="0" y="0"/>
+            <a:ext cx="9144000" cy="6858000"/>
+          </a:xfrm>
+          <a:prstGeom prst="rect">
+            <a:avLst/>
+          </a:prstGeom>
+        </p:spPr>
+      </p:pic>
+      <p:sp>
+        <p:nvSpPr>
+          <p:cNvPr id="3" name="Rounded Rectangle 2"/>
+          <p:cNvSpPr/>
+          <p:nvPr/>
+        </p:nvSpPr>
+        <p:spPr>
+          <a:xfrm>
+            <a:off x="457200" y="1143000"/>
+            <a:ext cx="8229600" cy="4572000"/>
+          </a:xfrm>
+          <a:prstGeom prst="roundRect">
+            <a:avLst/>
+          </a:prstGeom>
+          <a:solidFill>
+            <a:srgbClr val="000000"/>
+          </a:solidFill>
+          <a:ln>
+            <a:noFill/>
+          </a:ln>
+        </p:spPr>
+        <p:style>
+          <a:lnRef idx="1">
+            <a:schemeClr val="accent1"/>
+          </a:lnRef>
+          <a:fillRef idx="3">
+            <a:schemeClr val="accent1"/>
+          </a:fillRef>
+          <a:effectRef idx="2">
+            <a:schemeClr val="accent1"/>
+          </a:effectRef>
+          <a:fontRef idx="minor">
+            <a:schemeClr val="lt1"/>
+          </a:fontRef>
+        </p:style>
+        <p:txBody>
+          <a:bodyPr rtlCol="0" anchor="ctr"/>
+          <a:lstStyle/>
+          <a:p>
+            <a:pPr algn="ctr"/>
+          </a:p>
+        </p:txBody>
+      </p:sp>
+      <p:sp>
+        <p:nvSpPr>
+          <p:cNvPr id="4" name="TextBox 3"/>
           <p:cNvSpPr txBox="1"/>
           <p:nvPr/>
         </p:nvSpPr>
         <p:spPr>
           <a:xfrm>
-            <a:off x="457200" y="914400"/>
-            <a:ext cx="8229600" cy="4572000"/>
+            <a:off x="731520" y="1417320"/>
+            <a:ext cx="7680960" cy="4023360"/>
           </a:xfrm>
           <a:prstGeom prst="rect">
             <a:avLst/>
@@ -3437,14 +3791,14 @@
           <a:noFill/>
         </p:spPr>
         <p:txBody>
-          <a:bodyPr wrap="square">
+          <a:bodyPr wrap="square" anchor="ctr">
             <a:spAutoFit/>
           </a:bodyPr>
           <a:lstStyle/>
           <a:p/>
           <a:p>
             <a:pPr algn="ctr">
-              <a:defRPr b="1" sz="4000">
+              <a:defRPr b="1" sz="3600">
                 <a:solidFill>
                   <a:srgbClr val="FFFFFF"/>
                 </a:solidFill>
@@ -3467,14 +3821,6 @@
 <file path=ppt/slides/slide15.xml><?xml version="1.0" encoding="utf-8"?>
 <p:sld xmlns:a="http://schemas.openxmlformats.org/drawingml/2006/main" xmlns:p="http://schemas.openxmlformats.org/presentationml/2006/main" xmlns:r="http://schemas.openxmlformats.org/officeDocument/2006/relationships">
   <p:cSld>
-    <p:bg>
-      <p:bgPr>
-        <a:solidFill>
-          <a:srgbClr val="002060"/>
-        </a:solidFill>
-        <a:effectLst/>
-      </p:bgPr>
-    </p:bg>
     <p:spTree>
       <p:nvGrpSpPr>
         <p:cNvPr id="1" name=""/>
@@ -3482,16 +3828,83 @@
         <p:nvPr/>
       </p:nvGrpSpPr>
       <p:grpSpPr/>
-      <p:sp>
-        <p:nvSpPr>
-          <p:cNvPr id="2" name="TextBox 1"/>
+      <p:pic>
+        <p:nvPicPr>
+          <p:cNvPr id="2" name="Picture 1" descr="general.jpg"/>
+          <p:cNvPicPr>
+            <a:picLocks noChangeAspect="1"/>
+          </p:cNvPicPr>
+          <p:nvPr/>
+        </p:nvPicPr>
+        <p:blipFill>
+          <a:blip r:embed="rId2"/>
+          <a:stretch>
+            <a:fillRect/>
+          </a:stretch>
+        </p:blipFill>
+        <p:spPr>
+          <a:xfrm>
+            <a:off x="0" y="0"/>
+            <a:ext cx="9144000" cy="6858000"/>
+          </a:xfrm>
+          <a:prstGeom prst="rect">
+            <a:avLst/>
+          </a:prstGeom>
+        </p:spPr>
+      </p:pic>
+      <p:sp>
+        <p:nvSpPr>
+          <p:cNvPr id="3" name="Rounded Rectangle 2"/>
+          <p:cNvSpPr/>
+          <p:nvPr/>
+        </p:nvSpPr>
+        <p:spPr>
+          <a:xfrm>
+            <a:off x="457200" y="1143000"/>
+            <a:ext cx="8229600" cy="4572000"/>
+          </a:xfrm>
+          <a:prstGeom prst="roundRect">
+            <a:avLst/>
+          </a:prstGeom>
+          <a:solidFill>
+            <a:srgbClr val="000000"/>
+          </a:solidFill>
+          <a:ln>
+            <a:noFill/>
+          </a:ln>
+        </p:spPr>
+        <p:style>
+          <a:lnRef idx="1">
+            <a:schemeClr val="accent1"/>
+          </a:lnRef>
+          <a:fillRef idx="3">
+            <a:schemeClr val="accent1"/>
+          </a:fillRef>
+          <a:effectRef idx="2">
+            <a:schemeClr val="accent1"/>
+          </a:effectRef>
+          <a:fontRef idx="minor">
+            <a:schemeClr val="lt1"/>
+          </a:fontRef>
+        </p:style>
+        <p:txBody>
+          <a:bodyPr rtlCol="0" anchor="ctr"/>
+          <a:lstStyle/>
+          <a:p>
+            <a:pPr algn="ctr"/>
+          </a:p>
+        </p:txBody>
+      </p:sp>
+      <p:sp>
+        <p:nvSpPr>
+          <p:cNvPr id="4" name="TextBox 3"/>
           <p:cNvSpPr txBox="1"/>
           <p:nvPr/>
         </p:nvSpPr>
         <p:spPr>
           <a:xfrm>
-            <a:off x="457200" y="914400"/>
-            <a:ext cx="8229600" cy="4572000"/>
+            <a:off x="731520" y="1417320"/>
+            <a:ext cx="7680960" cy="4023360"/>
           </a:xfrm>
           <a:prstGeom prst="rect">
             <a:avLst/>
@@ -3499,14 +3912,14 @@
           <a:noFill/>
         </p:spPr>
         <p:txBody>
-          <a:bodyPr wrap="square">
+          <a:bodyPr wrap="square" anchor="ctr">
             <a:spAutoFit/>
           </a:bodyPr>
           <a:lstStyle/>
           <a:p/>
           <a:p>
             <a:pPr algn="ctr">
-              <a:defRPr b="1" sz="4000">
+              <a:defRPr b="1" sz="3600">
                 <a:solidFill>
                   <a:srgbClr val="FFFFFF"/>
                 </a:solidFill>
@@ -3529,14 +3942,6 @@
 <file path=ppt/slides/slide2.xml><?xml version="1.0" encoding="utf-8"?>
 <p:sld xmlns:a="http://schemas.openxmlformats.org/drawingml/2006/main" xmlns:p="http://schemas.openxmlformats.org/presentationml/2006/main" xmlns:r="http://schemas.openxmlformats.org/officeDocument/2006/relationships">
   <p:cSld>
-    <p:bg>
-      <p:bgPr>
-        <a:solidFill>
-          <a:srgbClr val="002060"/>
-        </a:solidFill>
-        <a:effectLst/>
-      </p:bgPr>
-    </p:bg>
     <p:spTree>
       <p:nvGrpSpPr>
         <p:cNvPr id="1" name=""/>
@@ -3544,16 +3949,83 @@
         <p:nvPr/>
       </p:nvGrpSpPr>
       <p:grpSpPr/>
-      <p:sp>
-        <p:nvSpPr>
-          <p:cNvPr id="2" name="TextBox 1"/>
+      <p:pic>
+        <p:nvPicPr>
+          <p:cNvPr id="2" name="Picture 1" descr="song.jpg"/>
+          <p:cNvPicPr>
+            <a:picLocks noChangeAspect="1"/>
+          </p:cNvPicPr>
+          <p:nvPr/>
+        </p:nvPicPr>
+        <p:blipFill>
+          <a:blip r:embed="rId2"/>
+          <a:stretch>
+            <a:fillRect/>
+          </a:stretch>
+        </p:blipFill>
+        <p:spPr>
+          <a:xfrm>
+            <a:off x="0" y="0"/>
+            <a:ext cx="9144000" cy="6858000"/>
+          </a:xfrm>
+          <a:prstGeom prst="rect">
+            <a:avLst/>
+          </a:prstGeom>
+        </p:spPr>
+      </p:pic>
+      <p:sp>
+        <p:nvSpPr>
+          <p:cNvPr id="3" name="Rounded Rectangle 2"/>
+          <p:cNvSpPr/>
+          <p:nvPr/>
+        </p:nvSpPr>
+        <p:spPr>
+          <a:xfrm>
+            <a:off x="457200" y="1143000"/>
+            <a:ext cx="8229600" cy="4572000"/>
+          </a:xfrm>
+          <a:prstGeom prst="roundRect">
+            <a:avLst/>
+          </a:prstGeom>
+          <a:solidFill>
+            <a:srgbClr val="000000"/>
+          </a:solidFill>
+          <a:ln>
+            <a:noFill/>
+          </a:ln>
+        </p:spPr>
+        <p:style>
+          <a:lnRef idx="1">
+            <a:schemeClr val="accent1"/>
+          </a:lnRef>
+          <a:fillRef idx="3">
+            <a:schemeClr val="accent1"/>
+          </a:fillRef>
+          <a:effectRef idx="2">
+            <a:schemeClr val="accent1"/>
+          </a:effectRef>
+          <a:fontRef idx="minor">
+            <a:schemeClr val="lt1"/>
+          </a:fontRef>
+        </p:style>
+        <p:txBody>
+          <a:bodyPr rtlCol="0" anchor="ctr"/>
+          <a:lstStyle/>
+          <a:p>
+            <a:pPr algn="ctr"/>
+          </a:p>
+        </p:txBody>
+      </p:sp>
+      <p:sp>
+        <p:nvSpPr>
+          <p:cNvPr id="4" name="TextBox 3"/>
           <p:cNvSpPr txBox="1"/>
           <p:nvPr/>
         </p:nvSpPr>
         <p:spPr>
           <a:xfrm>
-            <a:off x="457200" y="914400"/>
-            <a:ext cx="8229600" cy="4572000"/>
+            <a:off x="731520" y="1417320"/>
+            <a:ext cx="7680960" cy="4023360"/>
           </a:xfrm>
           <a:prstGeom prst="rect">
             <a:avLst/>
@@ -3561,14 +4033,14 @@
           <a:noFill/>
         </p:spPr>
         <p:txBody>
-          <a:bodyPr wrap="square">
+          <a:bodyPr wrap="square" anchor="ctr">
             <a:spAutoFit/>
           </a:bodyPr>
           <a:lstStyle/>
           <a:p/>
           <a:p>
             <a:pPr algn="ctr">
-              <a:defRPr b="1" sz="4000">
+              <a:defRPr b="1" sz="3600">
                 <a:solidFill>
                   <a:srgbClr val="FFFFFF"/>
                 </a:solidFill>
@@ -3591,14 +4063,6 @@
 <file path=ppt/slides/slide3.xml><?xml version="1.0" encoding="utf-8"?>
 <p:sld xmlns:a="http://schemas.openxmlformats.org/drawingml/2006/main" xmlns:p="http://schemas.openxmlformats.org/presentationml/2006/main" xmlns:r="http://schemas.openxmlformats.org/officeDocument/2006/relationships">
   <p:cSld>
-    <p:bg>
-      <p:bgPr>
-        <a:solidFill>
-          <a:srgbClr val="002060"/>
-        </a:solidFill>
-        <a:effectLst/>
-      </p:bgPr>
-    </p:bg>
     <p:spTree>
       <p:nvGrpSpPr>
         <p:cNvPr id="1" name=""/>
@@ -3606,16 +4070,83 @@
         <p:nvPr/>
       </p:nvGrpSpPr>
       <p:grpSpPr/>
-      <p:sp>
-        <p:nvSpPr>
-          <p:cNvPr id="2" name="TextBox 1"/>
+      <p:pic>
+        <p:nvPicPr>
+          <p:cNvPr id="2" name="Picture 1" descr="general.jpg"/>
+          <p:cNvPicPr>
+            <a:picLocks noChangeAspect="1"/>
+          </p:cNvPicPr>
+          <p:nvPr/>
+        </p:nvPicPr>
+        <p:blipFill>
+          <a:blip r:embed="rId2"/>
+          <a:stretch>
+            <a:fillRect/>
+          </a:stretch>
+        </p:blipFill>
+        <p:spPr>
+          <a:xfrm>
+            <a:off x="0" y="0"/>
+            <a:ext cx="9144000" cy="6858000"/>
+          </a:xfrm>
+          <a:prstGeom prst="rect">
+            <a:avLst/>
+          </a:prstGeom>
+        </p:spPr>
+      </p:pic>
+      <p:sp>
+        <p:nvSpPr>
+          <p:cNvPr id="3" name="Rounded Rectangle 2"/>
+          <p:cNvSpPr/>
+          <p:nvPr/>
+        </p:nvSpPr>
+        <p:spPr>
+          <a:xfrm>
+            <a:off x="457200" y="1143000"/>
+            <a:ext cx="8229600" cy="4572000"/>
+          </a:xfrm>
+          <a:prstGeom prst="roundRect">
+            <a:avLst/>
+          </a:prstGeom>
+          <a:solidFill>
+            <a:srgbClr val="000000"/>
+          </a:solidFill>
+          <a:ln>
+            <a:noFill/>
+          </a:ln>
+        </p:spPr>
+        <p:style>
+          <a:lnRef idx="1">
+            <a:schemeClr val="accent1"/>
+          </a:lnRef>
+          <a:fillRef idx="3">
+            <a:schemeClr val="accent1"/>
+          </a:fillRef>
+          <a:effectRef idx="2">
+            <a:schemeClr val="accent1"/>
+          </a:effectRef>
+          <a:fontRef idx="minor">
+            <a:schemeClr val="lt1"/>
+          </a:fontRef>
+        </p:style>
+        <p:txBody>
+          <a:bodyPr rtlCol="0" anchor="ctr"/>
+          <a:lstStyle/>
+          <a:p>
+            <a:pPr algn="ctr"/>
+          </a:p>
+        </p:txBody>
+      </p:sp>
+      <p:sp>
+        <p:nvSpPr>
+          <p:cNvPr id="4" name="TextBox 3"/>
           <p:cNvSpPr txBox="1"/>
           <p:nvPr/>
         </p:nvSpPr>
         <p:spPr>
           <a:xfrm>
-            <a:off x="457200" y="914400"/>
-            <a:ext cx="8229600" cy="4572000"/>
+            <a:off x="731520" y="1417320"/>
+            <a:ext cx="7680960" cy="4023360"/>
           </a:xfrm>
           <a:prstGeom prst="rect">
             <a:avLst/>
@@ -3623,14 +4154,14 @@
           <a:noFill/>
         </p:spPr>
         <p:txBody>
-          <a:bodyPr wrap="square">
+          <a:bodyPr wrap="square" anchor="ctr">
             <a:spAutoFit/>
           </a:bodyPr>
           <a:lstStyle/>
           <a:p/>
           <a:p>
             <a:pPr algn="ctr">
-              <a:defRPr b="1" sz="4000">
+              <a:defRPr b="1" sz="3600">
                 <a:solidFill>
                   <a:srgbClr val="FFFFFF"/>
                 </a:solidFill>
@@ -3653,14 +4184,6 @@
 <file path=ppt/slides/slide4.xml><?xml version="1.0" encoding="utf-8"?>
 <p:sld xmlns:a="http://schemas.openxmlformats.org/drawingml/2006/main" xmlns:p="http://schemas.openxmlformats.org/presentationml/2006/main" xmlns:r="http://schemas.openxmlformats.org/officeDocument/2006/relationships">
   <p:cSld>
-    <p:bg>
-      <p:bgPr>
-        <a:solidFill>
-          <a:srgbClr val="002060"/>
-        </a:solidFill>
-        <a:effectLst/>
-      </p:bgPr>
-    </p:bg>
     <p:spTree>
       <p:nvGrpSpPr>
         <p:cNvPr id="1" name=""/>
@@ -3668,16 +4191,83 @@
         <p:nvPr/>
       </p:nvGrpSpPr>
       <p:grpSpPr/>
-      <p:sp>
-        <p:nvSpPr>
-          <p:cNvPr id="2" name="TextBox 1"/>
+      <p:pic>
+        <p:nvPicPr>
+          <p:cNvPr id="2" name="Picture 1" descr="children.jpg"/>
+          <p:cNvPicPr>
+            <a:picLocks noChangeAspect="1"/>
+          </p:cNvPicPr>
+          <p:nvPr/>
+        </p:nvPicPr>
+        <p:blipFill>
+          <a:blip r:embed="rId2"/>
+          <a:stretch>
+            <a:fillRect/>
+          </a:stretch>
+        </p:blipFill>
+        <p:spPr>
+          <a:xfrm>
+            <a:off x="0" y="0"/>
+            <a:ext cx="9144000" cy="6858000"/>
+          </a:xfrm>
+          <a:prstGeom prst="rect">
+            <a:avLst/>
+          </a:prstGeom>
+        </p:spPr>
+      </p:pic>
+      <p:sp>
+        <p:nvSpPr>
+          <p:cNvPr id="3" name="Rounded Rectangle 2"/>
+          <p:cNvSpPr/>
+          <p:nvPr/>
+        </p:nvSpPr>
+        <p:spPr>
+          <a:xfrm>
+            <a:off x="457200" y="1143000"/>
+            <a:ext cx="8229600" cy="4572000"/>
+          </a:xfrm>
+          <a:prstGeom prst="roundRect">
+            <a:avLst/>
+          </a:prstGeom>
+          <a:solidFill>
+            <a:srgbClr val="000000"/>
+          </a:solidFill>
+          <a:ln>
+            <a:noFill/>
+          </a:ln>
+        </p:spPr>
+        <p:style>
+          <a:lnRef idx="1">
+            <a:schemeClr val="accent1"/>
+          </a:lnRef>
+          <a:fillRef idx="3">
+            <a:schemeClr val="accent1"/>
+          </a:fillRef>
+          <a:effectRef idx="2">
+            <a:schemeClr val="accent1"/>
+          </a:effectRef>
+          <a:fontRef idx="minor">
+            <a:schemeClr val="lt1"/>
+          </a:fontRef>
+        </p:style>
+        <p:txBody>
+          <a:bodyPr rtlCol="0" anchor="ctr"/>
+          <a:lstStyle/>
+          <a:p>
+            <a:pPr algn="ctr"/>
+          </a:p>
+        </p:txBody>
+      </p:sp>
+      <p:sp>
+        <p:nvSpPr>
+          <p:cNvPr id="4" name="TextBox 3"/>
           <p:cNvSpPr txBox="1"/>
           <p:nvPr/>
         </p:nvSpPr>
         <p:spPr>
           <a:xfrm>
-            <a:off x="457200" y="914400"/>
-            <a:ext cx="8229600" cy="4572000"/>
+            <a:off x="731520" y="1417320"/>
+            <a:ext cx="7680960" cy="4023360"/>
           </a:xfrm>
           <a:prstGeom prst="rect">
             <a:avLst/>
@@ -3685,14 +4275,14 @@
           <a:noFill/>
         </p:spPr>
         <p:txBody>
-          <a:bodyPr wrap="square">
+          <a:bodyPr wrap="square" anchor="ctr">
             <a:spAutoFit/>
           </a:bodyPr>
           <a:lstStyle/>
           <a:p/>
           <a:p>
             <a:pPr algn="ctr">
-              <a:defRPr b="1" sz="4000">
+              <a:defRPr b="1" sz="3600">
                 <a:solidFill>
                   <a:srgbClr val="FFFFFF"/>
                 </a:solidFill>
@@ -3700,6 +4290,23 @@
             </a:pPr>
             <a:r>
               <a:t>Children’s Message</a:t>
+            </a:r>
+          </a:p>
+          <a:p>
+            <a:pPr>
+              <a:defRPr sz="800"/>
+            </a:pPr>
+          </a:p>
+          <a:p>
+            <a:pPr algn="ctr">
+              <a:defRPr sz="2400">
+                <a:solidFill>
+                  <a:srgbClr val="F0F0F0"/>
+                </a:solidFill>
+              </a:defRPr>
+            </a:pPr>
+            <a:r>
+              <a:t>Presenter: Bruce Wilkins</a:t>
             </a:r>
           </a:p>
         </p:txBody>
@@ -3715,14 +4322,6 @@
 <file path=ppt/slides/slide5.xml><?xml version="1.0" encoding="utf-8"?>
 <p:sld xmlns:a="http://schemas.openxmlformats.org/drawingml/2006/main" xmlns:p="http://schemas.openxmlformats.org/presentationml/2006/main" xmlns:r="http://schemas.openxmlformats.org/officeDocument/2006/relationships">
   <p:cSld>
-    <p:bg>
-      <p:bgPr>
-        <a:solidFill>
-          <a:srgbClr val="002060"/>
-        </a:solidFill>
-        <a:effectLst/>
-      </p:bgPr>
-    </p:bg>
     <p:spTree>
       <p:nvGrpSpPr>
         <p:cNvPr id="1" name=""/>
@@ -3730,16 +4329,83 @@
         <p:nvPr/>
       </p:nvGrpSpPr>
       <p:grpSpPr/>
-      <p:sp>
-        <p:nvSpPr>
-          <p:cNvPr id="2" name="TextBox 1"/>
+      <p:pic>
+        <p:nvPicPr>
+          <p:cNvPr id="2" name="Picture 1" descr="liturgy.jpg"/>
+          <p:cNvPicPr>
+            <a:picLocks noChangeAspect="1"/>
+          </p:cNvPicPr>
+          <p:nvPr/>
+        </p:nvPicPr>
+        <p:blipFill>
+          <a:blip r:embed="rId2"/>
+          <a:stretch>
+            <a:fillRect/>
+          </a:stretch>
+        </p:blipFill>
+        <p:spPr>
+          <a:xfrm>
+            <a:off x="0" y="0"/>
+            <a:ext cx="9144000" cy="6858000"/>
+          </a:xfrm>
+          <a:prstGeom prst="rect">
+            <a:avLst/>
+          </a:prstGeom>
+        </p:spPr>
+      </p:pic>
+      <p:sp>
+        <p:nvSpPr>
+          <p:cNvPr id="3" name="Rounded Rectangle 2"/>
+          <p:cNvSpPr/>
+          <p:nvPr/>
+        </p:nvSpPr>
+        <p:spPr>
+          <a:xfrm>
+            <a:off x="457200" y="1143000"/>
+            <a:ext cx="8229600" cy="4572000"/>
+          </a:xfrm>
+          <a:prstGeom prst="roundRect">
+            <a:avLst/>
+          </a:prstGeom>
+          <a:solidFill>
+            <a:srgbClr val="000000"/>
+          </a:solidFill>
+          <a:ln>
+            <a:noFill/>
+          </a:ln>
+        </p:spPr>
+        <p:style>
+          <a:lnRef idx="1">
+            <a:schemeClr val="accent1"/>
+          </a:lnRef>
+          <a:fillRef idx="3">
+            <a:schemeClr val="accent1"/>
+          </a:fillRef>
+          <a:effectRef idx="2">
+            <a:schemeClr val="accent1"/>
+          </a:effectRef>
+          <a:fontRef idx="minor">
+            <a:schemeClr val="lt1"/>
+          </a:fontRef>
+        </p:style>
+        <p:txBody>
+          <a:bodyPr rtlCol="0" anchor="ctr"/>
+          <a:lstStyle/>
+          <a:p>
+            <a:pPr algn="ctr"/>
+          </a:p>
+        </p:txBody>
+      </p:sp>
+      <p:sp>
+        <p:nvSpPr>
+          <p:cNvPr id="4" name="TextBox 3"/>
           <p:cNvSpPr txBox="1"/>
           <p:nvPr/>
         </p:nvSpPr>
         <p:spPr>
           <a:xfrm>
-            <a:off x="457200" y="914400"/>
-            <a:ext cx="8229600" cy="4572000"/>
+            <a:off x="731520" y="1417320"/>
+            <a:ext cx="7680960" cy="4023360"/>
           </a:xfrm>
           <a:prstGeom prst="rect">
             <a:avLst/>
@@ -3747,14 +4413,14 @@
           <a:noFill/>
         </p:spPr>
         <p:txBody>
-          <a:bodyPr wrap="square">
+          <a:bodyPr wrap="square" anchor="ctr">
             <a:spAutoFit/>
           </a:bodyPr>
           <a:lstStyle/>
           <a:p/>
           <a:p>
             <a:pPr algn="ctr">
-              <a:defRPr b="1" sz="4000">
+              <a:defRPr b="1" sz="3600">
                 <a:solidFill>
                   <a:srgbClr val="FFFFFF"/>
                 </a:solidFill>
@@ -3765,10 +4431,15 @@
             </a:r>
           </a:p>
           <a:p>
+            <a:pPr>
+              <a:defRPr sz="800"/>
+            </a:pPr>
+          </a:p>
+          <a:p>
             <a:pPr algn="ctr">
-              <a:defRPr sz="2800">
+              <a:defRPr sz="2400">
                 <a:solidFill>
-                  <a:srgbClr val="FFFFFF"/>
+                  <a:srgbClr val="F0F0F0"/>
                 </a:solidFill>
               </a:defRPr>
             </a:pPr>
@@ -3778,9 +4449,9 @@
           </a:p>
           <a:p>
             <a:pPr algn="ctr">
-              <a:defRPr sz="2800">
+              <a:defRPr sz="2400">
                 <a:solidFill>
-                  <a:srgbClr val="FFFFFF"/>
+                  <a:srgbClr val="F0F0F0"/>
                 </a:solidFill>
               </a:defRPr>
             </a:pPr>
@@ -3790,9 +4461,9 @@
           </a:p>
           <a:p>
             <a:pPr algn="ctr">
-              <a:defRPr sz="2800">
+              <a:defRPr sz="2400">
                 <a:solidFill>
-                  <a:srgbClr val="FFFFFF"/>
+                  <a:srgbClr val="F0F0F0"/>
                 </a:solidFill>
               </a:defRPr>
             </a:pPr>
@@ -3802,9 +4473,9 @@
           </a:p>
           <a:p>
             <a:pPr algn="ctr">
-              <a:defRPr sz="2800">
+              <a:defRPr sz="2400">
                 <a:solidFill>
-                  <a:srgbClr val="FFFFFF"/>
+                  <a:srgbClr val="F0F0F0"/>
                 </a:solidFill>
               </a:defRPr>
             </a:pPr>
@@ -3814,9 +4485,9 @@
           </a:p>
           <a:p>
             <a:pPr algn="ctr">
-              <a:defRPr sz="2800">
+              <a:defRPr sz="2400">
                 <a:solidFill>
-                  <a:srgbClr val="FFFFFF"/>
+                  <a:srgbClr val="F0F0F0"/>
                 </a:solidFill>
               </a:defRPr>
             </a:pPr>
@@ -3826,9 +4497,9 @@
           </a:p>
           <a:p>
             <a:pPr algn="ctr">
-              <a:defRPr sz="2800">
+              <a:defRPr sz="2400">
                 <a:solidFill>
-                  <a:srgbClr val="FFFFFF"/>
+                  <a:srgbClr val="F0F0F0"/>
                 </a:solidFill>
               </a:defRPr>
             </a:pPr>
@@ -3838,9 +4509,9 @@
           </a:p>
           <a:p>
             <a:pPr algn="ctr">
-              <a:defRPr sz="2800">
+              <a:defRPr sz="2400">
                 <a:solidFill>
-                  <a:srgbClr val="FFFFFF"/>
+                  <a:srgbClr val="F0F0F0"/>
                 </a:solidFill>
               </a:defRPr>
             </a:pPr>
@@ -3850,9 +4521,9 @@
           </a:p>
           <a:p>
             <a:pPr algn="ctr">
-              <a:defRPr sz="2800">
+              <a:defRPr sz="2400">
                 <a:solidFill>
-                  <a:srgbClr val="FFFFFF"/>
+                  <a:srgbClr val="F0F0F0"/>
                 </a:solidFill>
               </a:defRPr>
             </a:pPr>
@@ -3873,14 +4544,6 @@
 <file path=ppt/slides/slide6.xml><?xml version="1.0" encoding="utf-8"?>
 <p:sld xmlns:a="http://schemas.openxmlformats.org/drawingml/2006/main" xmlns:p="http://schemas.openxmlformats.org/presentationml/2006/main" xmlns:r="http://schemas.openxmlformats.org/officeDocument/2006/relationships">
   <p:cSld>
-    <p:bg>
-      <p:bgPr>
-        <a:solidFill>
-          <a:srgbClr val="002060"/>
-        </a:solidFill>
-        <a:effectLst/>
-      </p:bgPr>
-    </p:bg>
     <p:spTree>
       <p:nvGrpSpPr>
         <p:cNvPr id="1" name=""/>
@@ -3888,16 +4551,83 @@
         <p:nvPr/>
       </p:nvGrpSpPr>
       <p:grpSpPr/>
-      <p:sp>
-        <p:nvSpPr>
-          <p:cNvPr id="2" name="TextBox 1"/>
+      <p:pic>
+        <p:nvPicPr>
+          <p:cNvPr id="2" name="Picture 1" descr="prayer.jpg"/>
+          <p:cNvPicPr>
+            <a:picLocks noChangeAspect="1"/>
+          </p:cNvPicPr>
+          <p:nvPr/>
+        </p:nvPicPr>
+        <p:blipFill>
+          <a:blip r:embed="rId2"/>
+          <a:stretch>
+            <a:fillRect/>
+          </a:stretch>
+        </p:blipFill>
+        <p:spPr>
+          <a:xfrm>
+            <a:off x="0" y="0"/>
+            <a:ext cx="9144000" cy="6858000"/>
+          </a:xfrm>
+          <a:prstGeom prst="rect">
+            <a:avLst/>
+          </a:prstGeom>
+        </p:spPr>
+      </p:pic>
+      <p:sp>
+        <p:nvSpPr>
+          <p:cNvPr id="3" name="Rounded Rectangle 2"/>
+          <p:cNvSpPr/>
+          <p:nvPr/>
+        </p:nvSpPr>
+        <p:spPr>
+          <a:xfrm>
+            <a:off x="457200" y="1143000"/>
+            <a:ext cx="8229600" cy="4572000"/>
+          </a:xfrm>
+          <a:prstGeom prst="roundRect">
+            <a:avLst/>
+          </a:prstGeom>
+          <a:solidFill>
+            <a:srgbClr val="000000"/>
+          </a:solidFill>
+          <a:ln>
+            <a:noFill/>
+          </a:ln>
+        </p:spPr>
+        <p:style>
+          <a:lnRef idx="1">
+            <a:schemeClr val="accent1"/>
+          </a:lnRef>
+          <a:fillRef idx="3">
+            <a:schemeClr val="accent1"/>
+          </a:fillRef>
+          <a:effectRef idx="2">
+            <a:schemeClr val="accent1"/>
+          </a:effectRef>
+          <a:fontRef idx="minor">
+            <a:schemeClr val="lt1"/>
+          </a:fontRef>
+        </p:style>
+        <p:txBody>
+          <a:bodyPr rtlCol="0" anchor="ctr"/>
+          <a:lstStyle/>
+          <a:p>
+            <a:pPr algn="ctr"/>
+          </a:p>
+        </p:txBody>
+      </p:sp>
+      <p:sp>
+        <p:nvSpPr>
+          <p:cNvPr id="4" name="TextBox 3"/>
           <p:cNvSpPr txBox="1"/>
           <p:nvPr/>
         </p:nvSpPr>
         <p:spPr>
           <a:xfrm>
-            <a:off x="457200" y="914400"/>
-            <a:ext cx="8229600" cy="4572000"/>
+            <a:off x="731520" y="1417320"/>
+            <a:ext cx="7680960" cy="4023360"/>
           </a:xfrm>
           <a:prstGeom prst="rect">
             <a:avLst/>
@@ -3905,14 +4635,14 @@
           <a:noFill/>
         </p:spPr>
         <p:txBody>
-          <a:bodyPr wrap="square">
+          <a:bodyPr wrap="square" anchor="ctr">
             <a:spAutoFit/>
           </a:bodyPr>
           <a:lstStyle/>
           <a:p/>
           <a:p>
             <a:pPr algn="ctr">
-              <a:defRPr b="1" sz="4000">
+              <a:defRPr b="1" sz="3600">
                 <a:solidFill>
                   <a:srgbClr val="FFFFFF"/>
                 </a:solidFill>
@@ -3923,10 +4653,15 @@
             </a:r>
           </a:p>
           <a:p>
+            <a:pPr>
+              <a:defRPr sz="800"/>
+            </a:pPr>
+          </a:p>
+          <a:p>
             <a:pPr algn="ctr">
-              <a:defRPr sz="2800">
+              <a:defRPr sz="2400">
                 <a:solidFill>
-                  <a:srgbClr val="FFFFFF"/>
+                  <a:srgbClr val="F0F0F0"/>
                 </a:solidFill>
               </a:defRPr>
             </a:pPr>
@@ -3936,9 +4671,9 @@
           </a:p>
           <a:p>
             <a:pPr algn="ctr">
-              <a:defRPr sz="2800">
+              <a:defRPr sz="2400">
                 <a:solidFill>
-                  <a:srgbClr val="FFFFFF"/>
+                  <a:srgbClr val="F0F0F0"/>
                 </a:solidFill>
               </a:defRPr>
             </a:pPr>
@@ -3948,9 +4683,9 @@
           </a:p>
           <a:p>
             <a:pPr algn="ctr">
-              <a:defRPr sz="2800">
+              <a:defRPr sz="2400">
                 <a:solidFill>
-                  <a:srgbClr val="FFFFFF"/>
+                  <a:srgbClr val="F0F0F0"/>
                 </a:solidFill>
               </a:defRPr>
             </a:pPr>
@@ -3960,9 +4695,9 @@
           </a:p>
           <a:p>
             <a:pPr algn="ctr">
-              <a:defRPr sz="2800">
+              <a:defRPr sz="2400">
                 <a:solidFill>
-                  <a:srgbClr val="FFFFFF"/>
+                  <a:srgbClr val="F0F0F0"/>
                 </a:solidFill>
               </a:defRPr>
             </a:pPr>
@@ -3983,14 +4718,6 @@
 <file path=ppt/slides/slide7.xml><?xml version="1.0" encoding="utf-8"?>
 <p:sld xmlns:a="http://schemas.openxmlformats.org/drawingml/2006/main" xmlns:p="http://schemas.openxmlformats.org/presentationml/2006/main" xmlns:r="http://schemas.openxmlformats.org/officeDocument/2006/relationships">
   <p:cSld>
-    <p:bg>
-      <p:bgPr>
-        <a:solidFill>
-          <a:srgbClr val="002060"/>
-        </a:solidFill>
-        <a:effectLst/>
-      </p:bgPr>
-    </p:bg>
     <p:spTree>
       <p:nvGrpSpPr>
         <p:cNvPr id="1" name=""/>
@@ -3998,16 +4725,83 @@
         <p:nvPr/>
       </p:nvGrpSpPr>
       <p:grpSpPr/>
-      <p:sp>
-        <p:nvSpPr>
-          <p:cNvPr id="2" name="TextBox 1"/>
+      <p:pic>
+        <p:nvPicPr>
+          <p:cNvPr id="2" name="Picture 1" descr="hymn.jpg"/>
+          <p:cNvPicPr>
+            <a:picLocks noChangeAspect="1"/>
+          </p:cNvPicPr>
+          <p:nvPr/>
+        </p:nvPicPr>
+        <p:blipFill>
+          <a:blip r:embed="rId2"/>
+          <a:stretch>
+            <a:fillRect/>
+          </a:stretch>
+        </p:blipFill>
+        <p:spPr>
+          <a:xfrm>
+            <a:off x="0" y="0"/>
+            <a:ext cx="9144000" cy="6858000"/>
+          </a:xfrm>
+          <a:prstGeom prst="rect">
+            <a:avLst/>
+          </a:prstGeom>
+        </p:spPr>
+      </p:pic>
+      <p:sp>
+        <p:nvSpPr>
+          <p:cNvPr id="3" name="Rounded Rectangle 2"/>
+          <p:cNvSpPr/>
+          <p:nvPr/>
+        </p:nvSpPr>
+        <p:spPr>
+          <a:xfrm>
+            <a:off x="457200" y="1143000"/>
+            <a:ext cx="8229600" cy="4572000"/>
+          </a:xfrm>
+          <a:prstGeom prst="roundRect">
+            <a:avLst/>
+          </a:prstGeom>
+          <a:solidFill>
+            <a:srgbClr val="000000"/>
+          </a:solidFill>
+          <a:ln>
+            <a:noFill/>
+          </a:ln>
+        </p:spPr>
+        <p:style>
+          <a:lnRef idx="1">
+            <a:schemeClr val="accent1"/>
+          </a:lnRef>
+          <a:fillRef idx="3">
+            <a:schemeClr val="accent1"/>
+          </a:fillRef>
+          <a:effectRef idx="2">
+            <a:schemeClr val="accent1"/>
+          </a:effectRef>
+          <a:fontRef idx="minor">
+            <a:schemeClr val="lt1"/>
+          </a:fontRef>
+        </p:style>
+        <p:txBody>
+          <a:bodyPr rtlCol="0" anchor="ctr"/>
+          <a:lstStyle/>
+          <a:p>
+            <a:pPr algn="ctr"/>
+          </a:p>
+        </p:txBody>
+      </p:sp>
+      <p:sp>
+        <p:nvSpPr>
+          <p:cNvPr id="4" name="TextBox 3"/>
           <p:cNvSpPr txBox="1"/>
           <p:nvPr/>
         </p:nvSpPr>
         <p:spPr>
           <a:xfrm>
-            <a:off x="457200" y="914400"/>
-            <a:ext cx="8229600" cy="4572000"/>
+            <a:off x="731520" y="1417320"/>
+            <a:ext cx="7680960" cy="4023360"/>
           </a:xfrm>
           <a:prstGeom prst="rect">
             <a:avLst/>
@@ -4015,14 +4809,14 @@
           <a:noFill/>
         </p:spPr>
         <p:txBody>
-          <a:bodyPr wrap="square">
+          <a:bodyPr wrap="square" anchor="ctr">
             <a:spAutoFit/>
           </a:bodyPr>
           <a:lstStyle/>
           <a:p/>
           <a:p>
             <a:pPr algn="ctr">
-              <a:defRPr b="1" sz="4000">
+              <a:defRPr b="1" sz="3600">
                 <a:solidFill>
                   <a:srgbClr val="FFFFFF"/>
                 </a:solidFill>
@@ -4033,15 +4827,20 @@
             </a:r>
           </a:p>
           <a:p>
+            <a:pPr>
+              <a:defRPr sz="800"/>
+            </a:pPr>
+          </a:p>
+          <a:p>
             <a:pPr algn="ctr">
-              <a:defRPr sz="2800">
+              <a:defRPr sz="2400">
                 <a:solidFill>
-                  <a:srgbClr val="FFFFFF"/>
+                  <a:srgbClr val="F0F0F0"/>
                 </a:solidFill>
               </a:defRPr>
             </a:pPr>
             <a:r>
-              <a:t>Amazing Grace (#378)</a:t>
+              <a:t>Amazing Grace  (#378)</a:t>
             </a:r>
           </a:p>
         </p:txBody>
@@ -4057,14 +4856,6 @@
 <file path=ppt/slides/slide8.xml><?xml version="1.0" encoding="utf-8"?>
 <p:sld xmlns:a="http://schemas.openxmlformats.org/drawingml/2006/main" xmlns:p="http://schemas.openxmlformats.org/presentationml/2006/main" xmlns:r="http://schemas.openxmlformats.org/officeDocument/2006/relationships">
   <p:cSld>
-    <p:bg>
-      <p:bgPr>
-        <a:solidFill>
-          <a:srgbClr val="002060"/>
-        </a:solidFill>
-        <a:effectLst/>
-      </p:bgPr>
-    </p:bg>
     <p:spTree>
       <p:nvGrpSpPr>
         <p:cNvPr id="1" name=""/>
@@ -4072,16 +4863,83 @@
         <p:nvPr/>
       </p:nvGrpSpPr>
       <p:grpSpPr/>
-      <p:sp>
-        <p:nvSpPr>
-          <p:cNvPr id="2" name="TextBox 1"/>
+      <p:pic>
+        <p:nvPicPr>
+          <p:cNvPr id="2" name="Picture 1" descr="scripture.jpg"/>
+          <p:cNvPicPr>
+            <a:picLocks noChangeAspect="1"/>
+          </p:cNvPicPr>
+          <p:nvPr/>
+        </p:nvPicPr>
+        <p:blipFill>
+          <a:blip r:embed="rId2"/>
+          <a:stretch>
+            <a:fillRect/>
+          </a:stretch>
+        </p:blipFill>
+        <p:spPr>
+          <a:xfrm>
+            <a:off x="0" y="0"/>
+            <a:ext cx="9144000" cy="6858000"/>
+          </a:xfrm>
+          <a:prstGeom prst="rect">
+            <a:avLst/>
+          </a:prstGeom>
+        </p:spPr>
+      </p:pic>
+      <p:sp>
+        <p:nvSpPr>
+          <p:cNvPr id="3" name="Rounded Rectangle 2"/>
+          <p:cNvSpPr/>
+          <p:nvPr/>
+        </p:nvSpPr>
+        <p:spPr>
+          <a:xfrm>
+            <a:off x="457200" y="1143000"/>
+            <a:ext cx="8229600" cy="4572000"/>
+          </a:xfrm>
+          <a:prstGeom prst="roundRect">
+            <a:avLst/>
+          </a:prstGeom>
+          <a:solidFill>
+            <a:srgbClr val="000000"/>
+          </a:solidFill>
+          <a:ln>
+            <a:noFill/>
+          </a:ln>
+        </p:spPr>
+        <p:style>
+          <a:lnRef idx="1">
+            <a:schemeClr val="accent1"/>
+          </a:lnRef>
+          <a:fillRef idx="3">
+            <a:schemeClr val="accent1"/>
+          </a:fillRef>
+          <a:effectRef idx="2">
+            <a:schemeClr val="accent1"/>
+          </a:effectRef>
+          <a:fontRef idx="minor">
+            <a:schemeClr val="lt1"/>
+          </a:fontRef>
+        </p:style>
+        <p:txBody>
+          <a:bodyPr rtlCol="0" anchor="ctr"/>
+          <a:lstStyle/>
+          <a:p>
+            <a:pPr algn="ctr"/>
+          </a:p>
+        </p:txBody>
+      </p:sp>
+      <p:sp>
+        <p:nvSpPr>
+          <p:cNvPr id="4" name="TextBox 3"/>
           <p:cNvSpPr txBox="1"/>
           <p:nvPr/>
         </p:nvSpPr>
         <p:spPr>
           <a:xfrm>
-            <a:off x="457200" y="914400"/>
-            <a:ext cx="8229600" cy="4572000"/>
+            <a:off x="731520" y="1417320"/>
+            <a:ext cx="7680960" cy="4023360"/>
           </a:xfrm>
           <a:prstGeom prst="rect">
             <a:avLst/>
@@ -4089,33 +4947,35 @@
           <a:noFill/>
         </p:spPr>
         <p:txBody>
-          <a:bodyPr wrap="square">
+          <a:bodyPr wrap="square" anchor="ctr">
             <a:spAutoFit/>
           </a:bodyPr>
           <a:lstStyle/>
           <a:p/>
           <a:p>
             <a:pPr algn="ctr">
-              <a:defRPr b="1" sz="4000">
+              <a:defRPr b="1" sz="3600">
                 <a:solidFill>
                   <a:srgbClr val="FFFFFF"/>
                 </a:solidFill>
               </a:defRPr>
             </a:pPr>
-            <a:r>
-              <a:t>Slide 8</a:t>
-            </a:r>
+          </a:p>
+          <a:p>
+            <a:pPr>
+              <a:defRPr sz="800"/>
+            </a:pPr>
           </a:p>
           <a:p>
             <a:pPr algn="ctr">
-              <a:defRPr sz="2800">
+              <a:defRPr sz="2400">
                 <a:solidFill>
-                  <a:srgbClr val="FFFFFF"/>
+                  <a:srgbClr val="F0F0F0"/>
                 </a:solidFill>
               </a:defRPr>
             </a:pPr>
             <a:r>
-              <a:t>15 Then the Lord said to Moses, ‘Why are you crying out to me? ...'</a:t>
+              <a:t>15 Then the Lord said to Moses, “Why are you crying out to me? ...</a:t>
             </a:r>
           </a:p>
         </p:txBody>
@@ -4131,14 +4991,6 @@
 <file path=ppt/slides/slide9.xml><?xml version="1.0" encoding="utf-8"?>
 <p:sld xmlns:a="http://schemas.openxmlformats.org/drawingml/2006/main" xmlns:p="http://schemas.openxmlformats.org/presentationml/2006/main" xmlns:r="http://schemas.openxmlformats.org/officeDocument/2006/relationships">
   <p:cSld>
-    <p:bg>
-      <p:bgPr>
-        <a:solidFill>
-          <a:srgbClr val="002060"/>
-        </a:solidFill>
-        <a:effectLst/>
-      </p:bgPr>
-    </p:bg>
     <p:spTree>
       <p:nvGrpSpPr>
         <p:cNvPr id="1" name=""/>
@@ -4146,16 +4998,83 @@
         <p:nvPr/>
       </p:nvGrpSpPr>
       <p:grpSpPr/>
-      <p:sp>
-        <p:nvSpPr>
-          <p:cNvPr id="2" name="TextBox 1"/>
+      <p:pic>
+        <p:nvPicPr>
+          <p:cNvPr id="2" name="Picture 1" descr="sermon.jpg"/>
+          <p:cNvPicPr>
+            <a:picLocks noChangeAspect="1"/>
+          </p:cNvPicPr>
+          <p:nvPr/>
+        </p:nvPicPr>
+        <p:blipFill>
+          <a:blip r:embed="rId2"/>
+          <a:stretch>
+            <a:fillRect/>
+          </a:stretch>
+        </p:blipFill>
+        <p:spPr>
+          <a:xfrm>
+            <a:off x="0" y="0"/>
+            <a:ext cx="9144000" cy="6858000"/>
+          </a:xfrm>
+          <a:prstGeom prst="rect">
+            <a:avLst/>
+          </a:prstGeom>
+        </p:spPr>
+      </p:pic>
+      <p:sp>
+        <p:nvSpPr>
+          <p:cNvPr id="3" name="Rounded Rectangle 2"/>
+          <p:cNvSpPr/>
+          <p:nvPr/>
+        </p:nvSpPr>
+        <p:spPr>
+          <a:xfrm>
+            <a:off x="457200" y="1143000"/>
+            <a:ext cx="8229600" cy="4572000"/>
+          </a:xfrm>
+          <a:prstGeom prst="roundRect">
+            <a:avLst/>
+          </a:prstGeom>
+          <a:solidFill>
+            <a:srgbClr val="000000"/>
+          </a:solidFill>
+          <a:ln>
+            <a:noFill/>
+          </a:ln>
+        </p:spPr>
+        <p:style>
+          <a:lnRef idx="1">
+            <a:schemeClr val="accent1"/>
+          </a:lnRef>
+          <a:fillRef idx="3">
+            <a:schemeClr val="accent1"/>
+          </a:fillRef>
+          <a:effectRef idx="2">
+            <a:schemeClr val="accent1"/>
+          </a:effectRef>
+          <a:fontRef idx="minor">
+            <a:schemeClr val="lt1"/>
+          </a:fontRef>
+        </p:style>
+        <p:txBody>
+          <a:bodyPr rtlCol="0" anchor="ctr"/>
+          <a:lstStyle/>
+          <a:p>
+            <a:pPr algn="ctr"/>
+          </a:p>
+        </p:txBody>
+      </p:sp>
+      <p:sp>
+        <p:nvSpPr>
+          <p:cNvPr id="4" name="TextBox 3"/>
           <p:cNvSpPr txBox="1"/>
           <p:nvPr/>
         </p:nvSpPr>
         <p:spPr>
           <a:xfrm>
-            <a:off x="457200" y="914400"/>
-            <a:ext cx="8229600" cy="4572000"/>
+            <a:off x="731520" y="1417320"/>
+            <a:ext cx="7680960" cy="4023360"/>
           </a:xfrm>
           <a:prstGeom prst="rect">
             <a:avLst/>
@@ -4163,14 +5082,14 @@
           <a:noFill/>
         </p:spPr>
         <p:txBody>
-          <a:bodyPr wrap="square">
+          <a:bodyPr wrap="square" anchor="ctr">
             <a:spAutoFit/>
           </a:bodyPr>
           <a:lstStyle/>
           <a:p/>
           <a:p>
             <a:pPr algn="ctr">
-              <a:defRPr b="1" sz="4000">
+              <a:defRPr b="1" sz="3600">
                 <a:solidFill>
                   <a:srgbClr val="FFFFFF"/>
                 </a:solidFill>
@@ -4178,6 +5097,23 @@
             </a:pPr>
             <a:r>
               <a:t>Moses and the Red Sea</a:t>
+            </a:r>
+          </a:p>
+          <a:p>
+            <a:pPr>
+              <a:defRPr sz="800"/>
+            </a:pPr>
+          </a:p>
+          <a:p>
+            <a:pPr algn="ctr">
+              <a:defRPr sz="2400">
+                <a:solidFill>
+                  <a:srgbClr val="F0F0F0"/>
+                </a:solidFill>
+              </a:defRPr>
+            </a:pPr>
+            <a:r>
+              <a:t>Speaker: Bruce Wilkins</a:t>
             </a:r>
           </a:p>
         </p:txBody>
